--- a/docs/activity/scrum/text02/kikaku.pptx
+++ b/docs/activity/scrum/text02/kikaku.pptx
@@ -357,7 +357,7 @@
           <a:p>
             <a:fld id="{0E02A643-9BB0-4E02-80B2-2C0A5E5D738E}" type="datetimeFigureOut">
               <a:rPr kumimoji="1" lang="ja-JP" altLang="en-US" smtClean="0"/>
-              <a:t>2019/2/3</a:t>
+              <a:t>2022/10/26</a:t>
             </a:fld>
             <a:endParaRPr kumimoji="1" lang="ja-JP" altLang="en-US"/>
           </a:p>
@@ -557,7 +557,7 @@
           <a:p>
             <a:fld id="{0E02A643-9BB0-4E02-80B2-2C0A5E5D738E}" type="datetimeFigureOut">
               <a:rPr kumimoji="1" lang="ja-JP" altLang="en-US" smtClean="0"/>
-              <a:t>2019/2/3</a:t>
+              <a:t>2022/10/26</a:t>
             </a:fld>
             <a:endParaRPr kumimoji="1" lang="ja-JP" altLang="en-US"/>
           </a:p>
@@ -767,7 +767,7 @@
           <a:p>
             <a:fld id="{0E02A643-9BB0-4E02-80B2-2C0A5E5D738E}" type="datetimeFigureOut">
               <a:rPr kumimoji="1" lang="ja-JP" altLang="en-US" smtClean="0"/>
-              <a:t>2019/2/3</a:t>
+              <a:t>2022/10/26</a:t>
             </a:fld>
             <a:endParaRPr kumimoji="1" lang="ja-JP" altLang="en-US"/>
           </a:p>
@@ -967,7 +967,7 @@
           <a:p>
             <a:fld id="{0E02A643-9BB0-4E02-80B2-2C0A5E5D738E}" type="datetimeFigureOut">
               <a:rPr kumimoji="1" lang="ja-JP" altLang="en-US" smtClean="0"/>
-              <a:t>2019/2/3</a:t>
+              <a:t>2022/10/26</a:t>
             </a:fld>
             <a:endParaRPr kumimoji="1" lang="ja-JP" altLang="en-US"/>
           </a:p>
@@ -1212,7 +1212,7 @@
           <a:p>
             <a:fld id="{0E02A643-9BB0-4E02-80B2-2C0A5E5D738E}" type="datetimeFigureOut">
               <a:rPr kumimoji="1" lang="ja-JP" altLang="en-US" smtClean="0"/>
-              <a:t>2019/2/3</a:t>
+              <a:t>2022/10/26</a:t>
             </a:fld>
             <a:endParaRPr kumimoji="1" lang="ja-JP" altLang="en-US"/>
           </a:p>
@@ -1505,7 +1505,7 @@
           <a:p>
             <a:fld id="{0E02A643-9BB0-4E02-80B2-2C0A5E5D738E}" type="datetimeFigureOut">
               <a:rPr kumimoji="1" lang="ja-JP" altLang="en-US" smtClean="0"/>
-              <a:t>2019/2/3</a:t>
+              <a:t>2022/10/26</a:t>
             </a:fld>
             <a:endParaRPr kumimoji="1" lang="ja-JP" altLang="en-US"/>
           </a:p>
@@ -1933,7 +1933,7 @@
           <a:p>
             <a:fld id="{0E02A643-9BB0-4E02-80B2-2C0A5E5D738E}" type="datetimeFigureOut">
               <a:rPr kumimoji="1" lang="ja-JP" altLang="en-US" smtClean="0"/>
-              <a:t>2019/2/3</a:t>
+              <a:t>2022/10/26</a:t>
             </a:fld>
             <a:endParaRPr kumimoji="1" lang="ja-JP" altLang="en-US"/>
           </a:p>
@@ -2050,7 +2050,7 @@
           <a:p>
             <a:fld id="{0E02A643-9BB0-4E02-80B2-2C0A5E5D738E}" type="datetimeFigureOut">
               <a:rPr kumimoji="1" lang="ja-JP" altLang="en-US" smtClean="0"/>
-              <a:t>2019/2/3</a:t>
+              <a:t>2022/10/26</a:t>
             </a:fld>
             <a:endParaRPr kumimoji="1" lang="ja-JP" altLang="en-US"/>
           </a:p>
@@ -2145,7 +2145,7 @@
           <a:p>
             <a:fld id="{0E02A643-9BB0-4E02-80B2-2C0A5E5D738E}" type="datetimeFigureOut">
               <a:rPr kumimoji="1" lang="ja-JP" altLang="en-US" smtClean="0"/>
-              <a:t>2019/2/3</a:t>
+              <a:t>2022/10/26</a:t>
             </a:fld>
             <a:endParaRPr kumimoji="1" lang="ja-JP" altLang="en-US"/>
           </a:p>
@@ -2452,7 +2452,7 @@
           <a:p>
             <a:fld id="{0E02A643-9BB0-4E02-80B2-2C0A5E5D738E}" type="datetimeFigureOut">
               <a:rPr kumimoji="1" lang="ja-JP" altLang="en-US" smtClean="0"/>
-              <a:t>2019/2/3</a:t>
+              <a:t>2022/10/26</a:t>
             </a:fld>
             <a:endParaRPr kumimoji="1" lang="ja-JP" altLang="en-US"/>
           </a:p>
@@ -2704,7 +2704,7 @@
           <a:p>
             <a:fld id="{0E02A643-9BB0-4E02-80B2-2C0A5E5D738E}" type="datetimeFigureOut">
               <a:rPr kumimoji="1" lang="ja-JP" altLang="en-US" smtClean="0"/>
-              <a:t>2019/2/3</a:t>
+              <a:t>2022/10/26</a:t>
             </a:fld>
             <a:endParaRPr kumimoji="1" lang="ja-JP" altLang="en-US"/>
           </a:p>
@@ -2947,7 +2947,7 @@
           <a:p>
             <a:fld id="{0E02A643-9BB0-4E02-80B2-2C0A5E5D738E}" type="datetimeFigureOut">
               <a:rPr kumimoji="1" lang="ja-JP" altLang="en-US" smtClean="0"/>
-              <a:t>2019/2/3</a:t>
+              <a:t>2022/10/26</a:t>
             </a:fld>
             <a:endParaRPr kumimoji="1" lang="ja-JP" altLang="en-US"/>
           </a:p>
@@ -3411,31 +3411,31 @@
           </a:p>
           <a:p>
             <a:r>
-              <a:rPr lang="ja-JP" altLang="en-US">
+              <a:rPr lang="ja-JP" altLang="en-US" dirty="0">
                 <a:ea typeface="ＭＳ Ｐゴシック"/>
                 <a:cs typeface="Calibri"/>
               </a:rPr>
               <a:t>No.    氏名、 </a:t>
             </a:r>
             <a:r>
-              <a:rPr lang="ja-JP">
+              <a:rPr lang="ja-JP" dirty="0">
                 <a:ea typeface="ＭＳ Ｐゴシック"/>
               </a:rPr>
               <a:t>No.   </a:t>
             </a:r>
             <a:r>
-              <a:rPr lang="ja-JP" altLang="en-US">
+              <a:rPr lang="ja-JP" altLang="en-US" dirty="0">
                 <a:ea typeface="ＭＳ Ｐゴシック"/>
               </a:rPr>
               <a:t> </a:t>
             </a:r>
             <a:r>
-              <a:rPr lang="ja-JP">
+              <a:rPr lang="ja-JP" dirty="0">
                 <a:ea typeface="ＭＳ Ｐゴシック"/>
               </a:rPr>
               <a:t>氏名</a:t>
             </a:r>
-            <a:endParaRPr lang="ja-JP">
+            <a:endParaRPr lang="ja-JP" dirty="0">
               <a:ea typeface="ＭＳ Ｐゴシック"/>
               <a:cs typeface="Calibri"/>
             </a:endParaRPr>
@@ -3448,7 +3448,7 @@
               <a:t>No.</a:t>
             </a:r>
             <a:r>
-              <a:rPr lang="ja-JP" altLang="en-US">
+              <a:rPr lang="ja-JP" altLang="en-US" dirty="0">
                 <a:ea typeface="ＭＳ Ｐゴシック"/>
               </a:rPr>
               <a:t>    氏名、 </a:t>
@@ -3460,12 +3460,12 @@
               <a:t>No.</a:t>
             </a:r>
             <a:r>
-              <a:rPr lang="ja-JP" altLang="en-US">
+              <a:rPr lang="ja-JP" altLang="en-US" dirty="0">
                 <a:ea typeface="ＭＳ Ｐゴシック"/>
               </a:rPr>
               <a:t>    氏名</a:t>
             </a:r>
-            <a:endParaRPr lang="ja-JP"/>
+            <a:endParaRPr lang="ja-JP" dirty="0"/>
           </a:p>
         </p:txBody>
       </p:sp>
